--- a/materials/slides/2.3 探索式软件测试——指南测试法.pptx
+++ b/materials/slides/2.3 探索式软件测试——指南测试法.pptx
@@ -5,17 +5,18 @@
     <p:sldMasterId id="2147483648" r:id="rId1"/>
   </p:sldMasterIdLst>
   <p:notesMasterIdLst>
-    <p:notesMasterId r:id="rId10"/>
+    <p:notesMasterId r:id="rId11"/>
   </p:notesMasterIdLst>
   <p:sldIdLst>
     <p:sldId id="256" r:id="rId2"/>
-    <p:sldId id="261" r:id="rId3"/>
-    <p:sldId id="277" r:id="rId4"/>
-    <p:sldId id="278" r:id="rId5"/>
-    <p:sldId id="279" r:id="rId6"/>
-    <p:sldId id="280" r:id="rId7"/>
-    <p:sldId id="281" r:id="rId8"/>
-    <p:sldId id="274" r:id="rId9"/>
+    <p:sldId id="282" r:id="rId3"/>
+    <p:sldId id="261" r:id="rId4"/>
+    <p:sldId id="277" r:id="rId5"/>
+    <p:sldId id="278" r:id="rId6"/>
+    <p:sldId id="279" r:id="rId7"/>
+    <p:sldId id="280" r:id="rId8"/>
+    <p:sldId id="281" r:id="rId9"/>
+    <p:sldId id="274" r:id="rId10"/>
   </p:sldIdLst>
   <p:sldSz cx="12192000" cy="6858000"/>
   <p:notesSz cx="6858000" cy="9144000"/>
@@ -207,7 +208,7 @@
           <a:p>
             <a:fld id="{EC82124A-F363-4BD3-8BA5-C8EDB8A4673E}" type="datetimeFigureOut">
               <a:rPr lang="zh-CN" altLang="en-US" smtClean="0"/>
-              <a:t>2019/8/25</a:t>
+              <a:t>2019/9/17</a:t>
             </a:fld>
             <a:endParaRPr lang="zh-CN" altLang="en-US"/>
           </a:p>
@@ -549,7 +550,7 @@
     </p:spTree>
     <p:extLst>
       <p:ext uri="{BB962C8B-B14F-4D97-AF65-F5344CB8AC3E}">
-        <p14:creationId xmlns:p14="http://schemas.microsoft.com/office/powerpoint/2010/main" val="877292176"/>
+        <p14:creationId xmlns:p14="http://schemas.microsoft.com/office/powerpoint/2010/main" val="778943040"/>
       </p:ext>
     </p:extLst>
   </p:cSld>
@@ -625,6 +626,90 @@
             <a:fld id="{8D7ACA88-C620-47A1-A6D3-F68F6DD6FEE9}" type="slidenum">
               <a:rPr lang="zh-CN" altLang="en-US" smtClean="0"/>
               <a:t>5</a:t>
+            </a:fld>
+            <a:endParaRPr lang="zh-CN" altLang="en-US"/>
+          </a:p>
+        </p:txBody>
+      </p:sp>
+    </p:spTree>
+    <p:extLst>
+      <p:ext uri="{BB962C8B-B14F-4D97-AF65-F5344CB8AC3E}">
+        <p14:creationId xmlns:p14="http://schemas.microsoft.com/office/powerpoint/2010/main" val="877292176"/>
+      </p:ext>
+    </p:extLst>
+  </p:cSld>
+  <p:clrMapOvr>
+    <a:masterClrMapping/>
+  </p:clrMapOvr>
+</p:notes>
+</file>
+
+<file path=ppt/notesSlides/notesSlide3.xml><?xml version="1.0" encoding="utf-8"?>
+<p:notes xmlns:a="http://schemas.openxmlformats.org/drawingml/2006/main" xmlns:r="http://schemas.openxmlformats.org/officeDocument/2006/relationships" xmlns:p="http://schemas.openxmlformats.org/presentationml/2006/main">
+  <p:cSld>
+    <p:spTree>
+      <p:nvGrpSpPr>
+        <p:cNvPr id="1" name=""/>
+        <p:cNvGrpSpPr/>
+        <p:nvPr/>
+      </p:nvGrpSpPr>
+      <p:grpSpPr>
+        <a:xfrm>
+          <a:off x="0" y="0"/>
+          <a:ext cx="0" cy="0"/>
+          <a:chOff x="0" y="0"/>
+          <a:chExt cx="0" cy="0"/>
+        </a:xfrm>
+      </p:grpSpPr>
+      <p:sp>
+        <p:nvSpPr>
+          <p:cNvPr id="2" name="幻灯片图像占位符 1"/>
+          <p:cNvSpPr>
+            <a:spLocks noGrp="1" noRot="1" noChangeAspect="1"/>
+          </p:cNvSpPr>
+          <p:nvPr>
+            <p:ph type="sldImg"/>
+          </p:nvPr>
+        </p:nvSpPr>
+        <p:spPr/>
+      </p:sp>
+      <p:sp>
+        <p:nvSpPr>
+          <p:cNvPr id="3" name="备注占位符 2"/>
+          <p:cNvSpPr>
+            <a:spLocks noGrp="1"/>
+          </p:cNvSpPr>
+          <p:nvPr>
+            <p:ph type="body" idx="1"/>
+          </p:nvPr>
+        </p:nvSpPr>
+        <p:spPr/>
+        <p:txBody>
+          <a:bodyPr/>
+          <a:lstStyle/>
+          <a:p>
+            <a:endParaRPr lang="zh-CN" altLang="en-US" dirty="0"/>
+          </a:p>
+        </p:txBody>
+      </p:sp>
+      <p:sp>
+        <p:nvSpPr>
+          <p:cNvPr id="4" name="灯片编号占位符 3"/>
+          <p:cNvSpPr>
+            <a:spLocks noGrp="1"/>
+          </p:cNvSpPr>
+          <p:nvPr>
+            <p:ph type="sldNum" sz="quarter" idx="10"/>
+          </p:nvPr>
+        </p:nvSpPr>
+        <p:spPr/>
+        <p:txBody>
+          <a:bodyPr/>
+          <a:lstStyle/>
+          <a:p>
+            <a:fld id="{8D7ACA88-C620-47A1-A6D3-F68F6DD6FEE9}" type="slidenum">
+              <a:rPr lang="zh-CN" altLang="en-US" smtClean="0"/>
+              <a:t>6</a:t>
             </a:fld>
             <a:endParaRPr lang="zh-CN" altLang="en-US"/>
           </a:p>
@@ -778,7 +863,7 @@
           <a:p>
             <a:fld id="{C04CF4A6-17F9-4CD5-BCB8-44B65F331829}" type="datetimeFigureOut">
               <a:rPr lang="zh-CN" altLang="en-US" smtClean="0"/>
-              <a:t>2019/8/25</a:t>
+              <a:t>2019/9/17</a:t>
             </a:fld>
             <a:endParaRPr lang="zh-CN" altLang="en-US"/>
           </a:p>
@@ -1070,7 +1155,7 @@
           <a:p>
             <a:fld id="{C04CF4A6-17F9-4CD5-BCB8-44B65F331829}" type="datetimeFigureOut">
               <a:rPr lang="zh-CN" altLang="en-US" smtClean="0"/>
-              <a:t>2019/8/25</a:t>
+              <a:t>2019/9/17</a:t>
             </a:fld>
             <a:endParaRPr lang="zh-CN" altLang="en-US"/>
           </a:p>
@@ -1240,7 +1325,7 @@
           <a:p>
             <a:fld id="{C04CF4A6-17F9-4CD5-BCB8-44B65F331829}" type="datetimeFigureOut">
               <a:rPr lang="zh-CN" altLang="en-US" smtClean="0"/>
-              <a:t>2019/8/25</a:t>
+              <a:t>2019/9/17</a:t>
             </a:fld>
             <a:endParaRPr lang="zh-CN" altLang="en-US"/>
           </a:p>
@@ -1420,7 +1505,7 @@
           <a:p>
             <a:fld id="{C04CF4A6-17F9-4CD5-BCB8-44B65F331829}" type="datetimeFigureOut">
               <a:rPr lang="zh-CN" altLang="en-US" smtClean="0"/>
-              <a:t>2019/8/25</a:t>
+              <a:t>2019/9/17</a:t>
             </a:fld>
             <a:endParaRPr lang="zh-CN" altLang="en-US"/>
           </a:p>
@@ -1644,7 +1729,7 @@
           <a:p>
             <a:fld id="{C04CF4A6-17F9-4CD5-BCB8-44B65F331829}" type="datetimeFigureOut">
               <a:rPr lang="zh-CN" altLang="en-US" smtClean="0"/>
-              <a:t>2019/8/25</a:t>
+              <a:t>2019/9/17</a:t>
             </a:fld>
             <a:endParaRPr lang="zh-CN" altLang="en-US"/>
           </a:p>
@@ -1941,7 +2026,7 @@
           <a:p>
             <a:fld id="{C04CF4A6-17F9-4CD5-BCB8-44B65F331829}" type="datetimeFigureOut">
               <a:rPr lang="zh-CN" altLang="en-US" smtClean="0"/>
-              <a:t>2019/8/25</a:t>
+              <a:t>2019/9/17</a:t>
             </a:fld>
             <a:endParaRPr lang="zh-CN" altLang="en-US"/>
           </a:p>
@@ -2260,7 +2345,7 @@
           <a:p>
             <a:fld id="{C04CF4A6-17F9-4CD5-BCB8-44B65F331829}" type="datetimeFigureOut">
               <a:rPr lang="zh-CN" altLang="en-US" smtClean="0"/>
-              <a:t>2019/8/25</a:t>
+              <a:t>2019/9/17</a:t>
             </a:fld>
             <a:endParaRPr lang="zh-CN" altLang="en-US"/>
           </a:p>
@@ -2492,7 +2577,7 @@
           <a:p>
             <a:fld id="{C04CF4A6-17F9-4CD5-BCB8-44B65F331829}" type="datetimeFigureOut">
               <a:rPr lang="zh-CN" altLang="en-US" smtClean="0"/>
-              <a:t>2019/8/25</a:t>
+              <a:t>2019/9/17</a:t>
             </a:fld>
             <a:endParaRPr lang="zh-CN" altLang="en-US"/>
           </a:p>
@@ -2859,7 +2944,7 @@
           <a:p>
             <a:fld id="{C04CF4A6-17F9-4CD5-BCB8-44B65F331829}" type="datetimeFigureOut">
               <a:rPr lang="zh-CN" altLang="en-US" smtClean="0"/>
-              <a:t>2019/8/25</a:t>
+              <a:t>2019/9/17</a:t>
             </a:fld>
             <a:endParaRPr lang="zh-CN" altLang="en-US"/>
           </a:p>
@@ -2977,7 +3062,7 @@
           <a:p>
             <a:fld id="{C04CF4A6-17F9-4CD5-BCB8-44B65F331829}" type="datetimeFigureOut">
               <a:rPr lang="zh-CN" altLang="en-US" smtClean="0"/>
-              <a:t>2019/8/25</a:t>
+              <a:t>2019/9/17</a:t>
             </a:fld>
             <a:endParaRPr lang="zh-CN" altLang="en-US"/>
           </a:p>
@@ -3072,7 +3157,7 @@
           <a:p>
             <a:fld id="{C04CF4A6-17F9-4CD5-BCB8-44B65F331829}" type="datetimeFigureOut">
               <a:rPr lang="zh-CN" altLang="en-US" smtClean="0"/>
-              <a:t>2019/8/25</a:t>
+              <a:t>2019/9/17</a:t>
             </a:fld>
             <a:endParaRPr lang="zh-CN" altLang="en-US"/>
           </a:p>
@@ -3349,7 +3434,7 @@
           <a:p>
             <a:fld id="{C04CF4A6-17F9-4CD5-BCB8-44B65F331829}" type="datetimeFigureOut">
               <a:rPr lang="zh-CN" altLang="en-US" smtClean="0"/>
-              <a:t>2019/8/25</a:t>
+              <a:t>2019/9/17</a:t>
             </a:fld>
             <a:endParaRPr lang="zh-CN" altLang="en-US"/>
           </a:p>
@@ -3562,7 +3647,7 @@
           <a:p>
             <a:fld id="{C04CF4A6-17F9-4CD5-BCB8-44B65F331829}" type="datetimeFigureOut">
               <a:rPr lang="zh-CN" altLang="en-US" smtClean="0"/>
-              <a:t>2019/8/25</a:t>
+              <a:t>2019/9/17</a:t>
             </a:fld>
             <a:endParaRPr lang="zh-CN" altLang="en-US"/>
           </a:p>
@@ -4096,20 +4181,14 @@
             <p:ph type="title"/>
           </p:nvPr>
         </p:nvSpPr>
-        <p:spPr>
-          <a:xfrm>
-            <a:off x="2086591" y="0"/>
-            <a:ext cx="6591300" cy="892175"/>
-          </a:xfrm>
-        </p:spPr>
-        <p:txBody>
-          <a:bodyPr/>
-          <a:lstStyle/>
-          <a:p>
-            <a:pPr algn="ctr"/>
+        <p:spPr/>
+        <p:txBody>
+          <a:bodyPr/>
+          <a:lstStyle/>
+          <a:p>
             <a:r>
               <a:rPr lang="zh-CN" altLang="en-US" dirty="0" smtClean="0"/>
-              <a:t>目 录</a:t>
+              <a:t>内容回顾</a:t>
             </a:r>
             <a:endParaRPr lang="zh-CN" altLang="en-US" dirty="0"/>
           </a:p>
@@ -4127,26 +4206,83 @@
         </p:nvSpPr>
         <p:spPr/>
         <p:txBody>
-          <a:bodyPr/>
+          <a:bodyPr>
+            <a:normAutofit fontScale="85000" lnSpcReduction="20000"/>
+          </a:bodyPr>
           <a:lstStyle/>
           <a:p>
             <a:r>
               <a:rPr lang="zh-CN" altLang="en-US" dirty="0" smtClean="0"/>
-              <a:t>指南测试法概述</a:t>
+              <a:t>什么是探索性测试</a:t>
             </a:r>
             <a:endParaRPr lang="en-US" altLang="zh-CN" dirty="0" smtClean="0"/>
           </a:p>
           <a:p>
+            <a:pPr lvl="1"/>
+            <a:r>
+              <a:rPr lang="zh-CN" altLang="en-US" dirty="0"/>
+              <a:t>同时进行学习、测试设计和测试</a:t>
+            </a:r>
             <a:r>
               <a:rPr lang="zh-CN" altLang="en-US" dirty="0" smtClean="0"/>
-              <a:t>指南测试法使用要求</a:t>
+              <a:t>执行</a:t>
             </a:r>
             <a:endParaRPr lang="en-US" altLang="zh-CN" dirty="0" smtClean="0"/>
           </a:p>
           <a:p>
             <a:r>
               <a:rPr lang="zh-CN" altLang="en-US" dirty="0" smtClean="0"/>
-              <a:t>指南测试法的变种和评价</a:t>
+              <a:t>为什么进行探索式测试</a:t>
+            </a:r>
+            <a:endParaRPr lang="en-US" altLang="zh-CN" dirty="0" smtClean="0"/>
+          </a:p>
+          <a:p>
+            <a:pPr lvl="1"/>
+            <a:r>
+              <a:rPr lang="zh-CN" altLang="en-US" dirty="0" smtClean="0"/>
+              <a:t>使用测试用例集，测试后，不能保证软件没有缺陷</a:t>
+            </a:r>
+            <a:endParaRPr lang="en-US" altLang="zh-CN" dirty="0" smtClean="0"/>
+          </a:p>
+          <a:p>
+            <a:r>
+              <a:rPr lang="zh-CN" altLang="en-US" dirty="0" smtClean="0"/>
+              <a:t>怎样进行探索式测试</a:t>
+            </a:r>
+            <a:endParaRPr lang="en-US" altLang="zh-CN" dirty="0" smtClean="0"/>
+          </a:p>
+          <a:p>
+            <a:pPr lvl="1"/>
+            <a:r>
+              <a:rPr lang="zh-CN" altLang="en-US" dirty="0" smtClean="0"/>
+              <a:t>写探索章程</a:t>
+            </a:r>
+            <a:endParaRPr lang="en-US" altLang="zh-CN" dirty="0" smtClean="0"/>
+          </a:p>
+          <a:p>
+            <a:pPr lvl="1"/>
+            <a:r>
+              <a:rPr lang="zh-CN" altLang="en-US" dirty="0" smtClean="0"/>
+              <a:t>依据章程进行测试</a:t>
+            </a:r>
+            <a:endParaRPr lang="en-US" altLang="zh-CN" dirty="0" smtClean="0"/>
+          </a:p>
+          <a:p>
+            <a:r>
+              <a:rPr lang="zh-CN" altLang="en-US" dirty="0" smtClean="0"/>
+              <a:t>漫游测试法分区</a:t>
+            </a:r>
+            <a:endParaRPr lang="en-US" altLang="zh-CN" dirty="0" smtClean="0"/>
+          </a:p>
+          <a:p>
+            <a:pPr lvl="1"/>
+            <a:r>
+              <a:rPr lang="zh-CN" altLang="en-US" dirty="0" smtClean="0"/>
+              <a:t>商业区、娱乐区、旅馆区、旅游区、历史区</a:t>
+            </a:r>
+            <a:r>
+              <a:rPr lang="en-US" altLang="zh-CN" smtClean="0"/>
+              <a:t>……</a:t>
             </a:r>
             <a:endParaRPr lang="zh-CN" altLang="en-US" dirty="0"/>
           </a:p>
@@ -4155,13 +4291,970 @@
     </p:spTree>
     <p:extLst>
       <p:ext uri="{BB962C8B-B14F-4D97-AF65-F5344CB8AC3E}">
-        <p14:creationId xmlns:p14="http://schemas.microsoft.com/office/powerpoint/2010/main" val="2560235146"/>
+        <p14:creationId xmlns:p14="http://schemas.microsoft.com/office/powerpoint/2010/main" val="1373655970"/>
       </p:ext>
     </p:extLst>
   </p:cSld>
   <p:clrMapOvr>
     <a:masterClrMapping/>
   </p:clrMapOvr>
+  <p:timing>
+    <p:tnLst>
+      <p:par>
+        <p:cTn id="1" dur="indefinite" restart="never" nodeType="tmRoot">
+          <p:childTnLst>
+            <p:seq concurrent="1" nextAc="seek">
+              <p:cTn id="2" dur="indefinite" nodeType="mainSeq">
+                <p:childTnLst>
+                  <p:par>
+                    <p:cTn id="3" fill="hold">
+                      <p:stCondLst>
+                        <p:cond delay="indefinite"/>
+                      </p:stCondLst>
+                      <p:childTnLst>
+                        <p:par>
+                          <p:cTn id="4" fill="hold">
+                            <p:stCondLst>
+                              <p:cond delay="0"/>
+                            </p:stCondLst>
+                            <p:childTnLst>
+                              <p:par>
+                                <p:cTn id="5" presetID="2" presetClass="entr" presetSubtype="4" fill="hold" nodeType="clickEffect">
+                                  <p:stCondLst>
+                                    <p:cond delay="0"/>
+                                  </p:stCondLst>
+                                  <p:childTnLst>
+                                    <p:set>
+                                      <p:cBhvr>
+                                        <p:cTn id="6" dur="1" fill="hold">
+                                          <p:stCondLst>
+                                            <p:cond delay="0"/>
+                                          </p:stCondLst>
+                                        </p:cTn>
+                                        <p:tgtEl>
+                                          <p:spTgt spid="3">
+                                            <p:txEl>
+                                              <p:pRg st="0" end="0"/>
+                                            </p:txEl>
+                                          </p:spTgt>
+                                        </p:tgtEl>
+                                        <p:attrNameLst>
+                                          <p:attrName>style.visibility</p:attrName>
+                                        </p:attrNameLst>
+                                      </p:cBhvr>
+                                      <p:to>
+                                        <p:strVal val="visible"/>
+                                      </p:to>
+                                    </p:set>
+                                    <p:anim calcmode="lin" valueType="num">
+                                      <p:cBhvr additive="base">
+                                        <p:cTn id="7" dur="500" fill="hold"/>
+                                        <p:tgtEl>
+                                          <p:spTgt spid="3">
+                                            <p:txEl>
+                                              <p:pRg st="0" end="0"/>
+                                            </p:txEl>
+                                          </p:spTgt>
+                                        </p:tgtEl>
+                                        <p:attrNameLst>
+                                          <p:attrName>ppt_x</p:attrName>
+                                        </p:attrNameLst>
+                                      </p:cBhvr>
+                                      <p:tavLst>
+                                        <p:tav tm="0">
+                                          <p:val>
+                                            <p:strVal val="#ppt_x"/>
+                                          </p:val>
+                                        </p:tav>
+                                        <p:tav tm="100000">
+                                          <p:val>
+                                            <p:strVal val="#ppt_x"/>
+                                          </p:val>
+                                        </p:tav>
+                                      </p:tavLst>
+                                    </p:anim>
+                                    <p:anim calcmode="lin" valueType="num">
+                                      <p:cBhvr additive="base">
+                                        <p:cTn id="8" dur="500" fill="hold"/>
+                                        <p:tgtEl>
+                                          <p:spTgt spid="3">
+                                            <p:txEl>
+                                              <p:pRg st="0" end="0"/>
+                                            </p:txEl>
+                                          </p:spTgt>
+                                        </p:tgtEl>
+                                        <p:attrNameLst>
+                                          <p:attrName>ppt_y</p:attrName>
+                                        </p:attrNameLst>
+                                      </p:cBhvr>
+                                      <p:tavLst>
+                                        <p:tav tm="0">
+                                          <p:val>
+                                            <p:strVal val="1+#ppt_h/2"/>
+                                          </p:val>
+                                        </p:tav>
+                                        <p:tav tm="100000">
+                                          <p:val>
+                                            <p:strVal val="#ppt_y"/>
+                                          </p:val>
+                                        </p:tav>
+                                      </p:tavLst>
+                                    </p:anim>
+                                  </p:childTnLst>
+                                </p:cTn>
+                              </p:par>
+                            </p:childTnLst>
+                          </p:cTn>
+                        </p:par>
+                      </p:childTnLst>
+                    </p:cTn>
+                  </p:par>
+                  <p:par>
+                    <p:cTn id="9" fill="hold">
+                      <p:stCondLst>
+                        <p:cond delay="indefinite"/>
+                      </p:stCondLst>
+                      <p:childTnLst>
+                        <p:par>
+                          <p:cTn id="10" fill="hold">
+                            <p:stCondLst>
+                              <p:cond delay="0"/>
+                            </p:stCondLst>
+                            <p:childTnLst>
+                              <p:par>
+                                <p:cTn id="11" presetID="2" presetClass="entr" presetSubtype="4" fill="hold" nodeType="clickEffect">
+                                  <p:stCondLst>
+                                    <p:cond delay="0"/>
+                                  </p:stCondLst>
+                                  <p:childTnLst>
+                                    <p:set>
+                                      <p:cBhvr>
+                                        <p:cTn id="12" dur="1" fill="hold">
+                                          <p:stCondLst>
+                                            <p:cond delay="0"/>
+                                          </p:stCondLst>
+                                        </p:cTn>
+                                        <p:tgtEl>
+                                          <p:spTgt spid="3">
+                                            <p:txEl>
+                                              <p:pRg st="1" end="1"/>
+                                            </p:txEl>
+                                          </p:spTgt>
+                                        </p:tgtEl>
+                                        <p:attrNameLst>
+                                          <p:attrName>style.visibility</p:attrName>
+                                        </p:attrNameLst>
+                                      </p:cBhvr>
+                                      <p:to>
+                                        <p:strVal val="visible"/>
+                                      </p:to>
+                                    </p:set>
+                                    <p:anim calcmode="lin" valueType="num">
+                                      <p:cBhvr additive="base">
+                                        <p:cTn id="13" dur="500" fill="hold"/>
+                                        <p:tgtEl>
+                                          <p:spTgt spid="3">
+                                            <p:txEl>
+                                              <p:pRg st="1" end="1"/>
+                                            </p:txEl>
+                                          </p:spTgt>
+                                        </p:tgtEl>
+                                        <p:attrNameLst>
+                                          <p:attrName>ppt_x</p:attrName>
+                                        </p:attrNameLst>
+                                      </p:cBhvr>
+                                      <p:tavLst>
+                                        <p:tav tm="0">
+                                          <p:val>
+                                            <p:strVal val="#ppt_x"/>
+                                          </p:val>
+                                        </p:tav>
+                                        <p:tav tm="100000">
+                                          <p:val>
+                                            <p:strVal val="#ppt_x"/>
+                                          </p:val>
+                                        </p:tav>
+                                      </p:tavLst>
+                                    </p:anim>
+                                    <p:anim calcmode="lin" valueType="num">
+                                      <p:cBhvr additive="base">
+                                        <p:cTn id="14" dur="500" fill="hold"/>
+                                        <p:tgtEl>
+                                          <p:spTgt spid="3">
+                                            <p:txEl>
+                                              <p:pRg st="1" end="1"/>
+                                            </p:txEl>
+                                          </p:spTgt>
+                                        </p:tgtEl>
+                                        <p:attrNameLst>
+                                          <p:attrName>ppt_y</p:attrName>
+                                        </p:attrNameLst>
+                                      </p:cBhvr>
+                                      <p:tavLst>
+                                        <p:tav tm="0">
+                                          <p:val>
+                                            <p:strVal val="1+#ppt_h/2"/>
+                                          </p:val>
+                                        </p:tav>
+                                        <p:tav tm="100000">
+                                          <p:val>
+                                            <p:strVal val="#ppt_y"/>
+                                          </p:val>
+                                        </p:tav>
+                                      </p:tavLst>
+                                    </p:anim>
+                                  </p:childTnLst>
+                                </p:cTn>
+                              </p:par>
+                            </p:childTnLst>
+                          </p:cTn>
+                        </p:par>
+                      </p:childTnLst>
+                    </p:cTn>
+                  </p:par>
+                  <p:par>
+                    <p:cTn id="15" fill="hold">
+                      <p:stCondLst>
+                        <p:cond delay="indefinite"/>
+                      </p:stCondLst>
+                      <p:childTnLst>
+                        <p:par>
+                          <p:cTn id="16" fill="hold">
+                            <p:stCondLst>
+                              <p:cond delay="0"/>
+                            </p:stCondLst>
+                            <p:childTnLst>
+                              <p:par>
+                                <p:cTn id="17" presetID="2" presetClass="entr" presetSubtype="4" fill="hold" nodeType="clickEffect">
+                                  <p:stCondLst>
+                                    <p:cond delay="0"/>
+                                  </p:stCondLst>
+                                  <p:childTnLst>
+                                    <p:set>
+                                      <p:cBhvr>
+                                        <p:cTn id="18" dur="1" fill="hold">
+                                          <p:stCondLst>
+                                            <p:cond delay="0"/>
+                                          </p:stCondLst>
+                                        </p:cTn>
+                                        <p:tgtEl>
+                                          <p:spTgt spid="3">
+                                            <p:txEl>
+                                              <p:pRg st="2" end="2"/>
+                                            </p:txEl>
+                                          </p:spTgt>
+                                        </p:tgtEl>
+                                        <p:attrNameLst>
+                                          <p:attrName>style.visibility</p:attrName>
+                                        </p:attrNameLst>
+                                      </p:cBhvr>
+                                      <p:to>
+                                        <p:strVal val="visible"/>
+                                      </p:to>
+                                    </p:set>
+                                    <p:anim calcmode="lin" valueType="num">
+                                      <p:cBhvr additive="base">
+                                        <p:cTn id="19" dur="500" fill="hold"/>
+                                        <p:tgtEl>
+                                          <p:spTgt spid="3">
+                                            <p:txEl>
+                                              <p:pRg st="2" end="2"/>
+                                            </p:txEl>
+                                          </p:spTgt>
+                                        </p:tgtEl>
+                                        <p:attrNameLst>
+                                          <p:attrName>ppt_x</p:attrName>
+                                        </p:attrNameLst>
+                                      </p:cBhvr>
+                                      <p:tavLst>
+                                        <p:tav tm="0">
+                                          <p:val>
+                                            <p:strVal val="#ppt_x"/>
+                                          </p:val>
+                                        </p:tav>
+                                        <p:tav tm="100000">
+                                          <p:val>
+                                            <p:strVal val="#ppt_x"/>
+                                          </p:val>
+                                        </p:tav>
+                                      </p:tavLst>
+                                    </p:anim>
+                                    <p:anim calcmode="lin" valueType="num">
+                                      <p:cBhvr additive="base">
+                                        <p:cTn id="20" dur="500" fill="hold"/>
+                                        <p:tgtEl>
+                                          <p:spTgt spid="3">
+                                            <p:txEl>
+                                              <p:pRg st="2" end="2"/>
+                                            </p:txEl>
+                                          </p:spTgt>
+                                        </p:tgtEl>
+                                        <p:attrNameLst>
+                                          <p:attrName>ppt_y</p:attrName>
+                                        </p:attrNameLst>
+                                      </p:cBhvr>
+                                      <p:tavLst>
+                                        <p:tav tm="0">
+                                          <p:val>
+                                            <p:strVal val="1+#ppt_h/2"/>
+                                          </p:val>
+                                        </p:tav>
+                                        <p:tav tm="100000">
+                                          <p:val>
+                                            <p:strVal val="#ppt_y"/>
+                                          </p:val>
+                                        </p:tav>
+                                      </p:tavLst>
+                                    </p:anim>
+                                  </p:childTnLst>
+                                </p:cTn>
+                              </p:par>
+                            </p:childTnLst>
+                          </p:cTn>
+                        </p:par>
+                      </p:childTnLst>
+                    </p:cTn>
+                  </p:par>
+                  <p:par>
+                    <p:cTn id="21" fill="hold">
+                      <p:stCondLst>
+                        <p:cond delay="indefinite"/>
+                      </p:stCondLst>
+                      <p:childTnLst>
+                        <p:par>
+                          <p:cTn id="22" fill="hold">
+                            <p:stCondLst>
+                              <p:cond delay="0"/>
+                            </p:stCondLst>
+                            <p:childTnLst>
+                              <p:par>
+                                <p:cTn id="23" presetID="2" presetClass="entr" presetSubtype="4" fill="hold" nodeType="clickEffect">
+                                  <p:stCondLst>
+                                    <p:cond delay="0"/>
+                                  </p:stCondLst>
+                                  <p:childTnLst>
+                                    <p:set>
+                                      <p:cBhvr>
+                                        <p:cTn id="24" dur="1" fill="hold">
+                                          <p:stCondLst>
+                                            <p:cond delay="0"/>
+                                          </p:stCondLst>
+                                        </p:cTn>
+                                        <p:tgtEl>
+                                          <p:spTgt spid="3">
+                                            <p:txEl>
+                                              <p:pRg st="3" end="3"/>
+                                            </p:txEl>
+                                          </p:spTgt>
+                                        </p:tgtEl>
+                                        <p:attrNameLst>
+                                          <p:attrName>style.visibility</p:attrName>
+                                        </p:attrNameLst>
+                                      </p:cBhvr>
+                                      <p:to>
+                                        <p:strVal val="visible"/>
+                                      </p:to>
+                                    </p:set>
+                                    <p:anim calcmode="lin" valueType="num">
+                                      <p:cBhvr additive="base">
+                                        <p:cTn id="25" dur="500" fill="hold"/>
+                                        <p:tgtEl>
+                                          <p:spTgt spid="3">
+                                            <p:txEl>
+                                              <p:pRg st="3" end="3"/>
+                                            </p:txEl>
+                                          </p:spTgt>
+                                        </p:tgtEl>
+                                        <p:attrNameLst>
+                                          <p:attrName>ppt_x</p:attrName>
+                                        </p:attrNameLst>
+                                      </p:cBhvr>
+                                      <p:tavLst>
+                                        <p:tav tm="0">
+                                          <p:val>
+                                            <p:strVal val="#ppt_x"/>
+                                          </p:val>
+                                        </p:tav>
+                                        <p:tav tm="100000">
+                                          <p:val>
+                                            <p:strVal val="#ppt_x"/>
+                                          </p:val>
+                                        </p:tav>
+                                      </p:tavLst>
+                                    </p:anim>
+                                    <p:anim calcmode="lin" valueType="num">
+                                      <p:cBhvr additive="base">
+                                        <p:cTn id="26" dur="500" fill="hold"/>
+                                        <p:tgtEl>
+                                          <p:spTgt spid="3">
+                                            <p:txEl>
+                                              <p:pRg st="3" end="3"/>
+                                            </p:txEl>
+                                          </p:spTgt>
+                                        </p:tgtEl>
+                                        <p:attrNameLst>
+                                          <p:attrName>ppt_y</p:attrName>
+                                        </p:attrNameLst>
+                                      </p:cBhvr>
+                                      <p:tavLst>
+                                        <p:tav tm="0">
+                                          <p:val>
+                                            <p:strVal val="1+#ppt_h/2"/>
+                                          </p:val>
+                                        </p:tav>
+                                        <p:tav tm="100000">
+                                          <p:val>
+                                            <p:strVal val="#ppt_y"/>
+                                          </p:val>
+                                        </p:tav>
+                                      </p:tavLst>
+                                    </p:anim>
+                                  </p:childTnLst>
+                                </p:cTn>
+                              </p:par>
+                            </p:childTnLst>
+                          </p:cTn>
+                        </p:par>
+                      </p:childTnLst>
+                    </p:cTn>
+                  </p:par>
+                  <p:par>
+                    <p:cTn id="27" fill="hold">
+                      <p:stCondLst>
+                        <p:cond delay="indefinite"/>
+                      </p:stCondLst>
+                      <p:childTnLst>
+                        <p:par>
+                          <p:cTn id="28" fill="hold">
+                            <p:stCondLst>
+                              <p:cond delay="0"/>
+                            </p:stCondLst>
+                            <p:childTnLst>
+                              <p:par>
+                                <p:cTn id="29" presetID="2" presetClass="entr" presetSubtype="4" fill="hold" nodeType="clickEffect">
+                                  <p:stCondLst>
+                                    <p:cond delay="0"/>
+                                  </p:stCondLst>
+                                  <p:childTnLst>
+                                    <p:set>
+                                      <p:cBhvr>
+                                        <p:cTn id="30" dur="1" fill="hold">
+                                          <p:stCondLst>
+                                            <p:cond delay="0"/>
+                                          </p:stCondLst>
+                                        </p:cTn>
+                                        <p:tgtEl>
+                                          <p:spTgt spid="3">
+                                            <p:txEl>
+                                              <p:pRg st="4" end="4"/>
+                                            </p:txEl>
+                                          </p:spTgt>
+                                        </p:tgtEl>
+                                        <p:attrNameLst>
+                                          <p:attrName>style.visibility</p:attrName>
+                                        </p:attrNameLst>
+                                      </p:cBhvr>
+                                      <p:to>
+                                        <p:strVal val="visible"/>
+                                      </p:to>
+                                    </p:set>
+                                    <p:anim calcmode="lin" valueType="num">
+                                      <p:cBhvr additive="base">
+                                        <p:cTn id="31" dur="500" fill="hold"/>
+                                        <p:tgtEl>
+                                          <p:spTgt spid="3">
+                                            <p:txEl>
+                                              <p:pRg st="4" end="4"/>
+                                            </p:txEl>
+                                          </p:spTgt>
+                                        </p:tgtEl>
+                                        <p:attrNameLst>
+                                          <p:attrName>ppt_x</p:attrName>
+                                        </p:attrNameLst>
+                                      </p:cBhvr>
+                                      <p:tavLst>
+                                        <p:tav tm="0">
+                                          <p:val>
+                                            <p:strVal val="#ppt_x"/>
+                                          </p:val>
+                                        </p:tav>
+                                        <p:tav tm="100000">
+                                          <p:val>
+                                            <p:strVal val="#ppt_x"/>
+                                          </p:val>
+                                        </p:tav>
+                                      </p:tavLst>
+                                    </p:anim>
+                                    <p:anim calcmode="lin" valueType="num">
+                                      <p:cBhvr additive="base">
+                                        <p:cTn id="32" dur="500" fill="hold"/>
+                                        <p:tgtEl>
+                                          <p:spTgt spid="3">
+                                            <p:txEl>
+                                              <p:pRg st="4" end="4"/>
+                                            </p:txEl>
+                                          </p:spTgt>
+                                        </p:tgtEl>
+                                        <p:attrNameLst>
+                                          <p:attrName>ppt_y</p:attrName>
+                                        </p:attrNameLst>
+                                      </p:cBhvr>
+                                      <p:tavLst>
+                                        <p:tav tm="0">
+                                          <p:val>
+                                            <p:strVal val="1+#ppt_h/2"/>
+                                          </p:val>
+                                        </p:tav>
+                                        <p:tav tm="100000">
+                                          <p:val>
+                                            <p:strVal val="#ppt_y"/>
+                                          </p:val>
+                                        </p:tav>
+                                      </p:tavLst>
+                                    </p:anim>
+                                  </p:childTnLst>
+                                </p:cTn>
+                              </p:par>
+                            </p:childTnLst>
+                          </p:cTn>
+                        </p:par>
+                      </p:childTnLst>
+                    </p:cTn>
+                  </p:par>
+                  <p:par>
+                    <p:cTn id="33" fill="hold">
+                      <p:stCondLst>
+                        <p:cond delay="indefinite"/>
+                      </p:stCondLst>
+                      <p:childTnLst>
+                        <p:par>
+                          <p:cTn id="34" fill="hold">
+                            <p:stCondLst>
+                              <p:cond delay="0"/>
+                            </p:stCondLst>
+                            <p:childTnLst>
+                              <p:par>
+                                <p:cTn id="35" presetID="2" presetClass="entr" presetSubtype="4" fill="hold" nodeType="clickEffect">
+                                  <p:stCondLst>
+                                    <p:cond delay="0"/>
+                                  </p:stCondLst>
+                                  <p:childTnLst>
+                                    <p:set>
+                                      <p:cBhvr>
+                                        <p:cTn id="36" dur="1" fill="hold">
+                                          <p:stCondLst>
+                                            <p:cond delay="0"/>
+                                          </p:stCondLst>
+                                        </p:cTn>
+                                        <p:tgtEl>
+                                          <p:spTgt spid="3">
+                                            <p:txEl>
+                                              <p:pRg st="5" end="5"/>
+                                            </p:txEl>
+                                          </p:spTgt>
+                                        </p:tgtEl>
+                                        <p:attrNameLst>
+                                          <p:attrName>style.visibility</p:attrName>
+                                        </p:attrNameLst>
+                                      </p:cBhvr>
+                                      <p:to>
+                                        <p:strVal val="visible"/>
+                                      </p:to>
+                                    </p:set>
+                                    <p:anim calcmode="lin" valueType="num">
+                                      <p:cBhvr additive="base">
+                                        <p:cTn id="37" dur="500" fill="hold"/>
+                                        <p:tgtEl>
+                                          <p:spTgt spid="3">
+                                            <p:txEl>
+                                              <p:pRg st="5" end="5"/>
+                                            </p:txEl>
+                                          </p:spTgt>
+                                        </p:tgtEl>
+                                        <p:attrNameLst>
+                                          <p:attrName>ppt_x</p:attrName>
+                                        </p:attrNameLst>
+                                      </p:cBhvr>
+                                      <p:tavLst>
+                                        <p:tav tm="0">
+                                          <p:val>
+                                            <p:strVal val="#ppt_x"/>
+                                          </p:val>
+                                        </p:tav>
+                                        <p:tav tm="100000">
+                                          <p:val>
+                                            <p:strVal val="#ppt_x"/>
+                                          </p:val>
+                                        </p:tav>
+                                      </p:tavLst>
+                                    </p:anim>
+                                    <p:anim calcmode="lin" valueType="num">
+                                      <p:cBhvr additive="base">
+                                        <p:cTn id="38" dur="500" fill="hold"/>
+                                        <p:tgtEl>
+                                          <p:spTgt spid="3">
+                                            <p:txEl>
+                                              <p:pRg st="5" end="5"/>
+                                            </p:txEl>
+                                          </p:spTgt>
+                                        </p:tgtEl>
+                                        <p:attrNameLst>
+                                          <p:attrName>ppt_y</p:attrName>
+                                        </p:attrNameLst>
+                                      </p:cBhvr>
+                                      <p:tavLst>
+                                        <p:tav tm="0">
+                                          <p:val>
+                                            <p:strVal val="1+#ppt_h/2"/>
+                                          </p:val>
+                                        </p:tav>
+                                        <p:tav tm="100000">
+                                          <p:val>
+                                            <p:strVal val="#ppt_y"/>
+                                          </p:val>
+                                        </p:tav>
+                                      </p:tavLst>
+                                    </p:anim>
+                                  </p:childTnLst>
+                                </p:cTn>
+                              </p:par>
+                            </p:childTnLst>
+                          </p:cTn>
+                        </p:par>
+                      </p:childTnLst>
+                    </p:cTn>
+                  </p:par>
+                  <p:par>
+                    <p:cTn id="39" fill="hold">
+                      <p:stCondLst>
+                        <p:cond delay="indefinite"/>
+                      </p:stCondLst>
+                      <p:childTnLst>
+                        <p:par>
+                          <p:cTn id="40" fill="hold">
+                            <p:stCondLst>
+                              <p:cond delay="0"/>
+                            </p:stCondLst>
+                            <p:childTnLst>
+                              <p:par>
+                                <p:cTn id="41" presetID="2" presetClass="entr" presetSubtype="4" fill="hold" nodeType="clickEffect">
+                                  <p:stCondLst>
+                                    <p:cond delay="0"/>
+                                  </p:stCondLst>
+                                  <p:childTnLst>
+                                    <p:set>
+                                      <p:cBhvr>
+                                        <p:cTn id="42" dur="1" fill="hold">
+                                          <p:stCondLst>
+                                            <p:cond delay="0"/>
+                                          </p:stCondLst>
+                                        </p:cTn>
+                                        <p:tgtEl>
+                                          <p:spTgt spid="3">
+                                            <p:txEl>
+                                              <p:pRg st="6" end="6"/>
+                                            </p:txEl>
+                                          </p:spTgt>
+                                        </p:tgtEl>
+                                        <p:attrNameLst>
+                                          <p:attrName>style.visibility</p:attrName>
+                                        </p:attrNameLst>
+                                      </p:cBhvr>
+                                      <p:to>
+                                        <p:strVal val="visible"/>
+                                      </p:to>
+                                    </p:set>
+                                    <p:anim calcmode="lin" valueType="num">
+                                      <p:cBhvr additive="base">
+                                        <p:cTn id="43" dur="500" fill="hold"/>
+                                        <p:tgtEl>
+                                          <p:spTgt spid="3">
+                                            <p:txEl>
+                                              <p:pRg st="6" end="6"/>
+                                            </p:txEl>
+                                          </p:spTgt>
+                                        </p:tgtEl>
+                                        <p:attrNameLst>
+                                          <p:attrName>ppt_x</p:attrName>
+                                        </p:attrNameLst>
+                                      </p:cBhvr>
+                                      <p:tavLst>
+                                        <p:tav tm="0">
+                                          <p:val>
+                                            <p:strVal val="#ppt_x"/>
+                                          </p:val>
+                                        </p:tav>
+                                        <p:tav tm="100000">
+                                          <p:val>
+                                            <p:strVal val="#ppt_x"/>
+                                          </p:val>
+                                        </p:tav>
+                                      </p:tavLst>
+                                    </p:anim>
+                                    <p:anim calcmode="lin" valueType="num">
+                                      <p:cBhvr additive="base">
+                                        <p:cTn id="44" dur="500" fill="hold"/>
+                                        <p:tgtEl>
+                                          <p:spTgt spid="3">
+                                            <p:txEl>
+                                              <p:pRg st="6" end="6"/>
+                                            </p:txEl>
+                                          </p:spTgt>
+                                        </p:tgtEl>
+                                        <p:attrNameLst>
+                                          <p:attrName>ppt_y</p:attrName>
+                                        </p:attrNameLst>
+                                      </p:cBhvr>
+                                      <p:tavLst>
+                                        <p:tav tm="0">
+                                          <p:val>
+                                            <p:strVal val="1+#ppt_h/2"/>
+                                          </p:val>
+                                        </p:tav>
+                                        <p:tav tm="100000">
+                                          <p:val>
+                                            <p:strVal val="#ppt_y"/>
+                                          </p:val>
+                                        </p:tav>
+                                      </p:tavLst>
+                                    </p:anim>
+                                  </p:childTnLst>
+                                </p:cTn>
+                              </p:par>
+                            </p:childTnLst>
+                          </p:cTn>
+                        </p:par>
+                      </p:childTnLst>
+                    </p:cTn>
+                  </p:par>
+                  <p:par>
+                    <p:cTn id="45" fill="hold">
+                      <p:stCondLst>
+                        <p:cond delay="indefinite"/>
+                      </p:stCondLst>
+                      <p:childTnLst>
+                        <p:par>
+                          <p:cTn id="46" fill="hold">
+                            <p:stCondLst>
+                              <p:cond delay="0"/>
+                            </p:stCondLst>
+                            <p:childTnLst>
+                              <p:par>
+                                <p:cTn id="47" presetID="2" presetClass="entr" presetSubtype="4" fill="hold" nodeType="clickEffect">
+                                  <p:stCondLst>
+                                    <p:cond delay="0"/>
+                                  </p:stCondLst>
+                                  <p:childTnLst>
+                                    <p:set>
+                                      <p:cBhvr>
+                                        <p:cTn id="48" dur="1" fill="hold">
+                                          <p:stCondLst>
+                                            <p:cond delay="0"/>
+                                          </p:stCondLst>
+                                        </p:cTn>
+                                        <p:tgtEl>
+                                          <p:spTgt spid="3">
+                                            <p:txEl>
+                                              <p:pRg st="7" end="7"/>
+                                            </p:txEl>
+                                          </p:spTgt>
+                                        </p:tgtEl>
+                                        <p:attrNameLst>
+                                          <p:attrName>style.visibility</p:attrName>
+                                        </p:attrNameLst>
+                                      </p:cBhvr>
+                                      <p:to>
+                                        <p:strVal val="visible"/>
+                                      </p:to>
+                                    </p:set>
+                                    <p:anim calcmode="lin" valueType="num">
+                                      <p:cBhvr additive="base">
+                                        <p:cTn id="49" dur="500" fill="hold"/>
+                                        <p:tgtEl>
+                                          <p:spTgt spid="3">
+                                            <p:txEl>
+                                              <p:pRg st="7" end="7"/>
+                                            </p:txEl>
+                                          </p:spTgt>
+                                        </p:tgtEl>
+                                        <p:attrNameLst>
+                                          <p:attrName>ppt_x</p:attrName>
+                                        </p:attrNameLst>
+                                      </p:cBhvr>
+                                      <p:tavLst>
+                                        <p:tav tm="0">
+                                          <p:val>
+                                            <p:strVal val="#ppt_x"/>
+                                          </p:val>
+                                        </p:tav>
+                                        <p:tav tm="100000">
+                                          <p:val>
+                                            <p:strVal val="#ppt_x"/>
+                                          </p:val>
+                                        </p:tav>
+                                      </p:tavLst>
+                                    </p:anim>
+                                    <p:anim calcmode="lin" valueType="num">
+                                      <p:cBhvr additive="base">
+                                        <p:cTn id="50" dur="500" fill="hold"/>
+                                        <p:tgtEl>
+                                          <p:spTgt spid="3">
+                                            <p:txEl>
+                                              <p:pRg st="7" end="7"/>
+                                            </p:txEl>
+                                          </p:spTgt>
+                                        </p:tgtEl>
+                                        <p:attrNameLst>
+                                          <p:attrName>ppt_y</p:attrName>
+                                        </p:attrNameLst>
+                                      </p:cBhvr>
+                                      <p:tavLst>
+                                        <p:tav tm="0">
+                                          <p:val>
+                                            <p:strVal val="1+#ppt_h/2"/>
+                                          </p:val>
+                                        </p:tav>
+                                        <p:tav tm="100000">
+                                          <p:val>
+                                            <p:strVal val="#ppt_y"/>
+                                          </p:val>
+                                        </p:tav>
+                                      </p:tavLst>
+                                    </p:anim>
+                                  </p:childTnLst>
+                                </p:cTn>
+                              </p:par>
+                            </p:childTnLst>
+                          </p:cTn>
+                        </p:par>
+                      </p:childTnLst>
+                    </p:cTn>
+                  </p:par>
+                  <p:par>
+                    <p:cTn id="51" fill="hold">
+                      <p:stCondLst>
+                        <p:cond delay="indefinite"/>
+                      </p:stCondLst>
+                      <p:childTnLst>
+                        <p:par>
+                          <p:cTn id="52" fill="hold">
+                            <p:stCondLst>
+                              <p:cond delay="0"/>
+                            </p:stCondLst>
+                            <p:childTnLst>
+                              <p:par>
+                                <p:cTn id="53" presetID="2" presetClass="entr" presetSubtype="4" fill="hold" nodeType="clickEffect">
+                                  <p:stCondLst>
+                                    <p:cond delay="0"/>
+                                  </p:stCondLst>
+                                  <p:childTnLst>
+                                    <p:set>
+                                      <p:cBhvr>
+                                        <p:cTn id="54" dur="1" fill="hold">
+                                          <p:stCondLst>
+                                            <p:cond delay="0"/>
+                                          </p:stCondLst>
+                                        </p:cTn>
+                                        <p:tgtEl>
+                                          <p:spTgt spid="3">
+                                            <p:txEl>
+                                              <p:pRg st="8" end="8"/>
+                                            </p:txEl>
+                                          </p:spTgt>
+                                        </p:tgtEl>
+                                        <p:attrNameLst>
+                                          <p:attrName>style.visibility</p:attrName>
+                                        </p:attrNameLst>
+                                      </p:cBhvr>
+                                      <p:to>
+                                        <p:strVal val="visible"/>
+                                      </p:to>
+                                    </p:set>
+                                    <p:anim calcmode="lin" valueType="num">
+                                      <p:cBhvr additive="base">
+                                        <p:cTn id="55" dur="500" fill="hold"/>
+                                        <p:tgtEl>
+                                          <p:spTgt spid="3">
+                                            <p:txEl>
+                                              <p:pRg st="8" end="8"/>
+                                            </p:txEl>
+                                          </p:spTgt>
+                                        </p:tgtEl>
+                                        <p:attrNameLst>
+                                          <p:attrName>ppt_x</p:attrName>
+                                        </p:attrNameLst>
+                                      </p:cBhvr>
+                                      <p:tavLst>
+                                        <p:tav tm="0">
+                                          <p:val>
+                                            <p:strVal val="#ppt_x"/>
+                                          </p:val>
+                                        </p:tav>
+                                        <p:tav tm="100000">
+                                          <p:val>
+                                            <p:strVal val="#ppt_x"/>
+                                          </p:val>
+                                        </p:tav>
+                                      </p:tavLst>
+                                    </p:anim>
+                                    <p:anim calcmode="lin" valueType="num">
+                                      <p:cBhvr additive="base">
+                                        <p:cTn id="56" dur="500" fill="hold"/>
+                                        <p:tgtEl>
+                                          <p:spTgt spid="3">
+                                            <p:txEl>
+                                              <p:pRg st="8" end="8"/>
+                                            </p:txEl>
+                                          </p:spTgt>
+                                        </p:tgtEl>
+                                        <p:attrNameLst>
+                                          <p:attrName>ppt_y</p:attrName>
+                                        </p:attrNameLst>
+                                      </p:cBhvr>
+                                      <p:tavLst>
+                                        <p:tav tm="0">
+                                          <p:val>
+                                            <p:strVal val="1+#ppt_h/2"/>
+                                          </p:val>
+                                        </p:tav>
+                                        <p:tav tm="100000">
+                                          <p:val>
+                                            <p:strVal val="#ppt_y"/>
+                                          </p:val>
+                                        </p:tav>
+                                      </p:tavLst>
+                                    </p:anim>
+                                  </p:childTnLst>
+                                </p:cTn>
+                              </p:par>
+                            </p:childTnLst>
+                          </p:cTn>
+                        </p:par>
+                      </p:childTnLst>
+                    </p:cTn>
+                  </p:par>
+                </p:childTnLst>
+              </p:cTn>
+              <p:prevCondLst>
+                <p:cond evt="onPrev" delay="0">
+                  <p:tgtEl>
+                    <p:sldTgt/>
+                  </p:tgtEl>
+                </p:cond>
+              </p:prevCondLst>
+              <p:nextCondLst>
+                <p:cond evt="onNext" delay="0">
+                  <p:tgtEl>
+                    <p:sldTgt/>
+                  </p:tgtEl>
+                </p:cond>
+              </p:nextCondLst>
+            </p:seq>
+          </p:childTnLst>
+        </p:cTn>
+      </p:par>
+    </p:tnLst>
+  </p:timing>
 </p:sld>
 </file>
 
@@ -4192,6 +5285,109 @@
             <p:ph type="title"/>
           </p:nvPr>
         </p:nvSpPr>
+        <p:spPr>
+          <a:xfrm>
+            <a:off x="2086591" y="0"/>
+            <a:ext cx="6591300" cy="892175"/>
+          </a:xfrm>
+        </p:spPr>
+        <p:txBody>
+          <a:bodyPr/>
+          <a:lstStyle/>
+          <a:p>
+            <a:pPr algn="ctr"/>
+            <a:r>
+              <a:rPr lang="zh-CN" altLang="en-US" dirty="0" smtClean="0"/>
+              <a:t>目 录</a:t>
+            </a:r>
+            <a:endParaRPr lang="zh-CN" altLang="en-US" dirty="0"/>
+          </a:p>
+        </p:txBody>
+      </p:sp>
+      <p:sp>
+        <p:nvSpPr>
+          <p:cNvPr id="3" name="内容占位符 2"/>
+          <p:cNvSpPr>
+            <a:spLocks noGrp="1"/>
+          </p:cNvSpPr>
+          <p:nvPr>
+            <p:ph idx="1"/>
+          </p:nvPr>
+        </p:nvSpPr>
+        <p:spPr/>
+        <p:txBody>
+          <a:bodyPr/>
+          <a:lstStyle/>
+          <a:p>
+            <a:r>
+              <a:rPr lang="zh-CN" altLang="en-US" dirty="0" smtClean="0"/>
+              <a:t>指南测试法概述</a:t>
+            </a:r>
+            <a:endParaRPr lang="en-US" altLang="zh-CN" dirty="0" smtClean="0"/>
+          </a:p>
+          <a:p>
+            <a:r>
+              <a:rPr lang="zh-CN" altLang="en-US" dirty="0" smtClean="0"/>
+              <a:t>指南测试法使用要求</a:t>
+            </a:r>
+            <a:endParaRPr lang="en-US" altLang="zh-CN" dirty="0" smtClean="0"/>
+          </a:p>
+          <a:p>
+            <a:r>
+              <a:rPr lang="zh-CN" altLang="en-US" dirty="0" smtClean="0"/>
+              <a:t>指南测试法的变种和评价</a:t>
+            </a:r>
+            <a:endParaRPr lang="zh-CN" altLang="en-US" dirty="0"/>
+          </a:p>
+        </p:txBody>
+      </p:sp>
+    </p:spTree>
+    <p:extLst>
+      <p:ext uri="{BB962C8B-B14F-4D97-AF65-F5344CB8AC3E}">
+        <p14:creationId xmlns:p14="http://schemas.microsoft.com/office/powerpoint/2010/main" val="2560235146"/>
+      </p:ext>
+    </p:extLst>
+  </p:cSld>
+  <p:clrMapOvr>
+    <a:masterClrMapping/>
+  </p:clrMapOvr>
+  <p:timing>
+    <p:tnLst>
+      <p:par>
+        <p:cTn id="1" dur="indefinite" restart="never" nodeType="tmRoot"/>
+      </p:par>
+    </p:tnLst>
+  </p:timing>
+</p:sld>
+</file>
+
+<file path=ppt/slides/slide4.xml><?xml version="1.0" encoding="utf-8"?>
+<p:sld xmlns:a="http://schemas.openxmlformats.org/drawingml/2006/main" xmlns:r="http://schemas.openxmlformats.org/officeDocument/2006/relationships" xmlns:p="http://schemas.openxmlformats.org/presentationml/2006/main">
+  <p:cSld>
+    <p:spTree>
+      <p:nvGrpSpPr>
+        <p:cNvPr id="1" name=""/>
+        <p:cNvGrpSpPr/>
+        <p:nvPr/>
+      </p:nvGrpSpPr>
+      <p:grpSpPr>
+        <a:xfrm>
+          <a:off x="0" y="0"/>
+          <a:ext cx="0" cy="0"/>
+          <a:chOff x="0" y="0"/>
+          <a:chExt cx="0" cy="0"/>
+        </a:xfrm>
+      </p:grpSpPr>
+      <p:sp>
+        <p:nvSpPr>
+          <p:cNvPr id="2" name="标题 1"/>
+          <p:cNvSpPr>
+            <a:spLocks noGrp="1"/>
+          </p:cNvSpPr>
+          <p:nvPr>
+            <p:ph type="title"/>
+          </p:nvPr>
+        </p:nvSpPr>
         <p:spPr/>
         <p:txBody>
           <a:bodyPr/>
@@ -4232,12 +5428,24 @@
               <a:t>要求测试人员</a:t>
             </a:r>
             <a:r>
-              <a:rPr lang="zh-CN" altLang="en-US" dirty="0"/>
+              <a:rPr lang="zh-CN" altLang="en-US" dirty="0">
+                <a:solidFill>
+                  <a:srgbClr val="FF0000"/>
+                </a:solidFill>
+              </a:rPr>
               <a:t>严格</a:t>
             </a:r>
             <a:r>
+              <a:rPr lang="zh-CN" altLang="en-US" dirty="0" smtClean="0">
+                <a:solidFill>
+                  <a:srgbClr val="FF0000"/>
+                </a:solidFill>
+              </a:rPr>
+              <a:t>遵照</a:t>
+            </a:r>
+            <a:r>
               <a:rPr lang="zh-CN" altLang="en-US" dirty="0" smtClean="0"/>
-              <a:t>遵照手册</a:t>
+              <a:t>手册</a:t>
             </a:r>
             <a:r>
               <a:rPr lang="zh-CN" altLang="en-US" dirty="0"/>
@@ -4261,10 +5469,22 @@
             </a:r>
             <a:r>
               <a:rPr lang="zh-CN" altLang="en-US" dirty="0"/>
-              <a:t>请以完全不了解系统</a:t>
-            </a:r>
-            <a:r>
-              <a:rPr lang="zh-CN" altLang="en-US" dirty="0" smtClean="0"/>
+              <a:t>请以</a:t>
+            </a:r>
+            <a:r>
+              <a:rPr lang="zh-CN" altLang="en-US" dirty="0">
+                <a:solidFill>
+                  <a:srgbClr val="FF0000"/>
+                </a:solidFill>
+              </a:rPr>
+              <a:t>完全不了解系统</a:t>
+            </a:r>
+            <a:r>
+              <a:rPr lang="zh-CN" altLang="en-US" dirty="0" smtClean="0">
+                <a:solidFill>
+                  <a:srgbClr val="FF0000"/>
+                </a:solidFill>
+              </a:rPr>
               <a:t>视角</a:t>
             </a:r>
             <a:r>
@@ -4291,7 +5511,7 @@
           <p:nvPr/>
         </p:nvPicPr>
         <p:blipFill>
-          <a:blip r:embed="rId2">
+          <a:blip r:embed="rId3">
             <a:extLst>
               <a:ext uri="{28A0092B-C50C-407E-A947-70E740481C1C}">
                 <a14:useLocalDpi xmlns:a14="http://schemas.microsoft.com/office/drawing/2010/main" val="0"/>
@@ -4333,99 +5553,13 @@
   <p:clrMapOvr>
     <a:masterClrMapping/>
   </p:clrMapOvr>
-</p:sld>
-</file>
-
-<file path=ppt/slides/slide4.xml><?xml version="1.0" encoding="utf-8"?>
-<p:sld xmlns:a="http://schemas.openxmlformats.org/drawingml/2006/main" xmlns:r="http://schemas.openxmlformats.org/officeDocument/2006/relationships" xmlns:p="http://schemas.openxmlformats.org/presentationml/2006/main">
-  <p:cSld>
-    <p:spTree>
-      <p:nvGrpSpPr>
-        <p:cNvPr id="1" name=""/>
-        <p:cNvGrpSpPr/>
-        <p:nvPr/>
-      </p:nvGrpSpPr>
-      <p:grpSpPr>
-        <a:xfrm>
-          <a:off x="0" y="0"/>
-          <a:ext cx="0" cy="0"/>
-          <a:chOff x="0" y="0"/>
-          <a:chExt cx="0" cy="0"/>
-        </a:xfrm>
-      </p:grpSpPr>
-      <p:sp>
-        <p:nvSpPr>
-          <p:cNvPr id="2" name="标题 1"/>
-          <p:cNvSpPr>
-            <a:spLocks noGrp="1"/>
-          </p:cNvSpPr>
-          <p:nvPr>
-            <p:ph type="title"/>
-          </p:nvPr>
-        </p:nvSpPr>
-        <p:spPr/>
-        <p:txBody>
-          <a:bodyPr/>
-          <a:lstStyle/>
-          <a:p>
-            <a:r>
-              <a:rPr lang="zh-CN" altLang="en-US" dirty="0" smtClean="0"/>
-              <a:t>指南测试法使用要求</a:t>
-            </a:r>
-            <a:endParaRPr lang="zh-CN" altLang="en-US" dirty="0"/>
-          </a:p>
-        </p:txBody>
-      </p:sp>
-      <p:sp>
-        <p:nvSpPr>
-          <p:cNvPr id="3" name="内容占位符 2"/>
-          <p:cNvSpPr>
-            <a:spLocks noGrp="1"/>
-          </p:cNvSpPr>
-          <p:nvPr>
-            <p:ph idx="1"/>
-          </p:nvPr>
-        </p:nvSpPr>
-        <p:spPr/>
-        <p:txBody>
-          <a:bodyPr/>
-          <a:lstStyle/>
-          <a:p>
-            <a:r>
-              <a:rPr lang="zh-CN" altLang="en-US" dirty="0" smtClean="0"/>
-              <a:t>忠实执行用户手册中描述的每个场景</a:t>
-            </a:r>
-            <a:endParaRPr lang="en-US" altLang="zh-CN" dirty="0" smtClean="0"/>
-          </a:p>
-          <a:p>
-            <a:r>
-              <a:rPr lang="zh-CN" altLang="en-US" dirty="0" smtClean="0"/>
-              <a:t>验证软件确实实现了手册所描述的各种特性</a:t>
-            </a:r>
-            <a:endParaRPr lang="en-US" altLang="zh-CN" dirty="0" smtClean="0"/>
-          </a:p>
-          <a:p>
-            <a:r>
-              <a:rPr lang="zh-CN" altLang="en-US" dirty="0" smtClean="0"/>
-              <a:t>验证用户手册的准确性</a:t>
-            </a:r>
-            <a:endParaRPr lang="en-US" altLang="zh-CN" dirty="0" smtClean="0"/>
-          </a:p>
-          <a:p>
-            <a:endParaRPr lang="zh-CN" altLang="en-US" dirty="0"/>
-          </a:p>
-        </p:txBody>
-      </p:sp>
-    </p:spTree>
-    <p:extLst>
-      <p:ext uri="{BB962C8B-B14F-4D97-AF65-F5344CB8AC3E}">
-        <p14:creationId xmlns:p14="http://schemas.microsoft.com/office/powerpoint/2010/main" val="1347973000"/>
-      </p:ext>
-    </p:extLst>
-  </p:cSld>
-  <p:clrMapOvr>
-    <a:masterClrMapping/>
-  </p:clrMapOvr>
+  <p:timing>
+    <p:tnLst>
+      <p:par>
+        <p:cTn id="1" dur="indefinite" restart="never" nodeType="tmRoot"/>
+      </p:par>
+    </p:tnLst>
+  </p:timing>
 </p:sld>
 </file>
 
@@ -4463,7 +5597,7 @@
           <a:p>
             <a:r>
               <a:rPr lang="zh-CN" altLang="en-US" dirty="0" smtClean="0"/>
-              <a:t>指南测试法的变种</a:t>
+              <a:t>指南测试法使用要求</a:t>
             </a:r>
             <a:endParaRPr lang="zh-CN" altLang="en-US" dirty="0"/>
           </a:p>
@@ -4479,58 +5613,32 @@
             <p:ph idx="1"/>
           </p:nvPr>
         </p:nvSpPr>
-        <p:spPr>
-          <a:xfrm>
-            <a:off x="762000" y="1076324"/>
-            <a:ext cx="10883900" cy="4930775"/>
-          </a:xfrm>
-        </p:spPr>
-        <p:txBody>
-          <a:bodyPr/>
-          <a:lstStyle/>
-          <a:p>
-            <a:r>
-              <a:rPr lang="zh-CN" altLang="en-US" dirty="0" smtClean="0">
-                <a:solidFill>
-                  <a:srgbClr val="FF0000"/>
-                </a:solidFill>
-              </a:rPr>
-              <a:t>博客</a:t>
-            </a:r>
+        <p:spPr/>
+        <p:txBody>
+          <a:bodyPr/>
+          <a:lstStyle/>
+          <a:p>
             <a:r>
               <a:rPr lang="zh-CN" altLang="en-US" dirty="0" smtClean="0"/>
-              <a:t>测试法：要求测试人员遵循第三方的建议来测试</a:t>
+              <a:t>忠实执行用户手册中描述的每个场景</a:t>
             </a:r>
             <a:endParaRPr lang="en-US" altLang="zh-CN" dirty="0" smtClean="0"/>
           </a:p>
           <a:p>
             <a:r>
-              <a:rPr lang="zh-CN" altLang="en-US" dirty="0" smtClean="0">
-                <a:solidFill>
-                  <a:srgbClr val="FF0000"/>
-                </a:solidFill>
-              </a:rPr>
-              <a:t>专家</a:t>
-            </a:r>
-            <a:r>
               <a:rPr lang="zh-CN" altLang="en-US" dirty="0" smtClean="0"/>
-              <a:t>测试法：要求测试人员按照反面评论者的抱怨来创建测试用例</a:t>
+              <a:t>验证软件确实实现了手册所描述的各种特性</a:t>
             </a:r>
             <a:endParaRPr lang="en-US" altLang="zh-CN" dirty="0" smtClean="0"/>
           </a:p>
           <a:p>
             <a:r>
-              <a:rPr lang="zh-CN" altLang="en-US" dirty="0" smtClean="0">
-                <a:solidFill>
-                  <a:srgbClr val="FF0000"/>
-                </a:solidFill>
-              </a:rPr>
-              <a:t>竞争</a:t>
-            </a:r>
-            <a:r>
               <a:rPr lang="zh-CN" altLang="en-US" dirty="0" smtClean="0"/>
-              <a:t>对手测试法：要求测试人员遵循专家或博客为竞争对手们提供的建议来测试</a:t>
-            </a:r>
+              <a:t>验证用户手册的准确性</a:t>
+            </a:r>
+            <a:endParaRPr lang="en-US" altLang="zh-CN" dirty="0" smtClean="0"/>
+          </a:p>
+          <a:p>
             <a:endParaRPr lang="zh-CN" altLang="en-US" dirty="0"/>
           </a:p>
         </p:txBody>
@@ -4538,13 +5646,352 @@
     </p:spTree>
     <p:extLst>
       <p:ext uri="{BB962C8B-B14F-4D97-AF65-F5344CB8AC3E}">
-        <p14:creationId xmlns:p14="http://schemas.microsoft.com/office/powerpoint/2010/main" val="3746354270"/>
+        <p14:creationId xmlns:p14="http://schemas.microsoft.com/office/powerpoint/2010/main" val="1347973000"/>
       </p:ext>
     </p:extLst>
   </p:cSld>
   <p:clrMapOvr>
     <a:masterClrMapping/>
   </p:clrMapOvr>
+  <p:timing>
+    <p:tnLst>
+      <p:par>
+        <p:cTn id="1" dur="indefinite" restart="never" nodeType="tmRoot">
+          <p:childTnLst>
+            <p:seq concurrent="1" nextAc="seek">
+              <p:cTn id="2" dur="indefinite" nodeType="mainSeq">
+                <p:childTnLst>
+                  <p:par>
+                    <p:cTn id="3" fill="hold">
+                      <p:stCondLst>
+                        <p:cond delay="indefinite"/>
+                      </p:stCondLst>
+                      <p:childTnLst>
+                        <p:par>
+                          <p:cTn id="4" fill="hold">
+                            <p:stCondLst>
+                              <p:cond delay="0"/>
+                            </p:stCondLst>
+                            <p:childTnLst>
+                              <p:par>
+                                <p:cTn id="5" presetID="2" presetClass="entr" presetSubtype="4" fill="hold" nodeType="clickEffect">
+                                  <p:stCondLst>
+                                    <p:cond delay="0"/>
+                                  </p:stCondLst>
+                                  <p:childTnLst>
+                                    <p:set>
+                                      <p:cBhvr>
+                                        <p:cTn id="6" dur="1" fill="hold">
+                                          <p:stCondLst>
+                                            <p:cond delay="0"/>
+                                          </p:stCondLst>
+                                        </p:cTn>
+                                        <p:tgtEl>
+                                          <p:spTgt spid="3">
+                                            <p:txEl>
+                                              <p:pRg st="0" end="0"/>
+                                            </p:txEl>
+                                          </p:spTgt>
+                                        </p:tgtEl>
+                                        <p:attrNameLst>
+                                          <p:attrName>style.visibility</p:attrName>
+                                        </p:attrNameLst>
+                                      </p:cBhvr>
+                                      <p:to>
+                                        <p:strVal val="visible"/>
+                                      </p:to>
+                                    </p:set>
+                                    <p:anim calcmode="lin" valueType="num">
+                                      <p:cBhvr additive="base">
+                                        <p:cTn id="7" dur="500" fill="hold"/>
+                                        <p:tgtEl>
+                                          <p:spTgt spid="3">
+                                            <p:txEl>
+                                              <p:pRg st="0" end="0"/>
+                                            </p:txEl>
+                                          </p:spTgt>
+                                        </p:tgtEl>
+                                        <p:attrNameLst>
+                                          <p:attrName>ppt_x</p:attrName>
+                                        </p:attrNameLst>
+                                      </p:cBhvr>
+                                      <p:tavLst>
+                                        <p:tav tm="0">
+                                          <p:val>
+                                            <p:strVal val="#ppt_x"/>
+                                          </p:val>
+                                        </p:tav>
+                                        <p:tav tm="100000">
+                                          <p:val>
+                                            <p:strVal val="#ppt_x"/>
+                                          </p:val>
+                                        </p:tav>
+                                      </p:tavLst>
+                                    </p:anim>
+                                    <p:anim calcmode="lin" valueType="num">
+                                      <p:cBhvr additive="base">
+                                        <p:cTn id="8" dur="500" fill="hold"/>
+                                        <p:tgtEl>
+                                          <p:spTgt spid="3">
+                                            <p:txEl>
+                                              <p:pRg st="0" end="0"/>
+                                            </p:txEl>
+                                          </p:spTgt>
+                                        </p:tgtEl>
+                                        <p:attrNameLst>
+                                          <p:attrName>ppt_y</p:attrName>
+                                        </p:attrNameLst>
+                                      </p:cBhvr>
+                                      <p:tavLst>
+                                        <p:tav tm="0">
+                                          <p:val>
+                                            <p:strVal val="1+#ppt_h/2"/>
+                                          </p:val>
+                                        </p:tav>
+                                        <p:tav tm="100000">
+                                          <p:val>
+                                            <p:strVal val="#ppt_y"/>
+                                          </p:val>
+                                        </p:tav>
+                                      </p:tavLst>
+                                    </p:anim>
+                                  </p:childTnLst>
+                                </p:cTn>
+                              </p:par>
+                            </p:childTnLst>
+                          </p:cTn>
+                        </p:par>
+                      </p:childTnLst>
+                    </p:cTn>
+                  </p:par>
+                  <p:par>
+                    <p:cTn id="9" fill="hold">
+                      <p:stCondLst>
+                        <p:cond delay="indefinite"/>
+                      </p:stCondLst>
+                      <p:childTnLst>
+                        <p:par>
+                          <p:cTn id="10" fill="hold">
+                            <p:stCondLst>
+                              <p:cond delay="0"/>
+                            </p:stCondLst>
+                            <p:childTnLst>
+                              <p:par>
+                                <p:cTn id="11" presetID="2" presetClass="entr" presetSubtype="4" fill="hold" nodeType="clickEffect">
+                                  <p:stCondLst>
+                                    <p:cond delay="0"/>
+                                  </p:stCondLst>
+                                  <p:childTnLst>
+                                    <p:set>
+                                      <p:cBhvr>
+                                        <p:cTn id="12" dur="1" fill="hold">
+                                          <p:stCondLst>
+                                            <p:cond delay="0"/>
+                                          </p:stCondLst>
+                                        </p:cTn>
+                                        <p:tgtEl>
+                                          <p:spTgt spid="3">
+                                            <p:txEl>
+                                              <p:pRg st="1" end="1"/>
+                                            </p:txEl>
+                                          </p:spTgt>
+                                        </p:tgtEl>
+                                        <p:attrNameLst>
+                                          <p:attrName>style.visibility</p:attrName>
+                                        </p:attrNameLst>
+                                      </p:cBhvr>
+                                      <p:to>
+                                        <p:strVal val="visible"/>
+                                      </p:to>
+                                    </p:set>
+                                    <p:anim calcmode="lin" valueType="num">
+                                      <p:cBhvr additive="base">
+                                        <p:cTn id="13" dur="500" fill="hold"/>
+                                        <p:tgtEl>
+                                          <p:spTgt spid="3">
+                                            <p:txEl>
+                                              <p:pRg st="1" end="1"/>
+                                            </p:txEl>
+                                          </p:spTgt>
+                                        </p:tgtEl>
+                                        <p:attrNameLst>
+                                          <p:attrName>ppt_x</p:attrName>
+                                        </p:attrNameLst>
+                                      </p:cBhvr>
+                                      <p:tavLst>
+                                        <p:tav tm="0">
+                                          <p:val>
+                                            <p:strVal val="#ppt_x"/>
+                                          </p:val>
+                                        </p:tav>
+                                        <p:tav tm="100000">
+                                          <p:val>
+                                            <p:strVal val="#ppt_x"/>
+                                          </p:val>
+                                        </p:tav>
+                                      </p:tavLst>
+                                    </p:anim>
+                                    <p:anim calcmode="lin" valueType="num">
+                                      <p:cBhvr additive="base">
+                                        <p:cTn id="14" dur="500" fill="hold"/>
+                                        <p:tgtEl>
+                                          <p:spTgt spid="3">
+                                            <p:txEl>
+                                              <p:pRg st="1" end="1"/>
+                                            </p:txEl>
+                                          </p:spTgt>
+                                        </p:tgtEl>
+                                        <p:attrNameLst>
+                                          <p:attrName>ppt_y</p:attrName>
+                                        </p:attrNameLst>
+                                      </p:cBhvr>
+                                      <p:tavLst>
+                                        <p:tav tm="0">
+                                          <p:val>
+                                            <p:strVal val="1+#ppt_h/2"/>
+                                          </p:val>
+                                        </p:tav>
+                                        <p:tav tm="100000">
+                                          <p:val>
+                                            <p:strVal val="#ppt_y"/>
+                                          </p:val>
+                                        </p:tav>
+                                      </p:tavLst>
+                                    </p:anim>
+                                  </p:childTnLst>
+                                </p:cTn>
+                              </p:par>
+                            </p:childTnLst>
+                          </p:cTn>
+                        </p:par>
+                      </p:childTnLst>
+                    </p:cTn>
+                  </p:par>
+                  <p:par>
+                    <p:cTn id="15" fill="hold">
+                      <p:stCondLst>
+                        <p:cond delay="indefinite"/>
+                      </p:stCondLst>
+                      <p:childTnLst>
+                        <p:par>
+                          <p:cTn id="16" fill="hold">
+                            <p:stCondLst>
+                              <p:cond delay="0"/>
+                            </p:stCondLst>
+                            <p:childTnLst>
+                              <p:par>
+                                <p:cTn id="17" presetID="2" presetClass="entr" presetSubtype="4" fill="hold" nodeType="clickEffect">
+                                  <p:stCondLst>
+                                    <p:cond delay="0"/>
+                                  </p:stCondLst>
+                                  <p:childTnLst>
+                                    <p:set>
+                                      <p:cBhvr>
+                                        <p:cTn id="18" dur="1" fill="hold">
+                                          <p:stCondLst>
+                                            <p:cond delay="0"/>
+                                          </p:stCondLst>
+                                        </p:cTn>
+                                        <p:tgtEl>
+                                          <p:spTgt spid="3">
+                                            <p:txEl>
+                                              <p:pRg st="2" end="2"/>
+                                            </p:txEl>
+                                          </p:spTgt>
+                                        </p:tgtEl>
+                                        <p:attrNameLst>
+                                          <p:attrName>style.visibility</p:attrName>
+                                        </p:attrNameLst>
+                                      </p:cBhvr>
+                                      <p:to>
+                                        <p:strVal val="visible"/>
+                                      </p:to>
+                                    </p:set>
+                                    <p:anim calcmode="lin" valueType="num">
+                                      <p:cBhvr additive="base">
+                                        <p:cTn id="19" dur="500" fill="hold"/>
+                                        <p:tgtEl>
+                                          <p:spTgt spid="3">
+                                            <p:txEl>
+                                              <p:pRg st="2" end="2"/>
+                                            </p:txEl>
+                                          </p:spTgt>
+                                        </p:tgtEl>
+                                        <p:attrNameLst>
+                                          <p:attrName>ppt_x</p:attrName>
+                                        </p:attrNameLst>
+                                      </p:cBhvr>
+                                      <p:tavLst>
+                                        <p:tav tm="0">
+                                          <p:val>
+                                            <p:strVal val="#ppt_x"/>
+                                          </p:val>
+                                        </p:tav>
+                                        <p:tav tm="100000">
+                                          <p:val>
+                                            <p:strVal val="#ppt_x"/>
+                                          </p:val>
+                                        </p:tav>
+                                      </p:tavLst>
+                                    </p:anim>
+                                    <p:anim calcmode="lin" valueType="num">
+                                      <p:cBhvr additive="base">
+                                        <p:cTn id="20" dur="500" fill="hold"/>
+                                        <p:tgtEl>
+                                          <p:spTgt spid="3">
+                                            <p:txEl>
+                                              <p:pRg st="2" end="2"/>
+                                            </p:txEl>
+                                          </p:spTgt>
+                                        </p:tgtEl>
+                                        <p:attrNameLst>
+                                          <p:attrName>ppt_y</p:attrName>
+                                        </p:attrNameLst>
+                                      </p:cBhvr>
+                                      <p:tavLst>
+                                        <p:tav tm="0">
+                                          <p:val>
+                                            <p:strVal val="1+#ppt_h/2"/>
+                                          </p:val>
+                                        </p:tav>
+                                        <p:tav tm="100000">
+                                          <p:val>
+                                            <p:strVal val="#ppt_y"/>
+                                          </p:val>
+                                        </p:tav>
+                                      </p:tavLst>
+                                    </p:anim>
+                                  </p:childTnLst>
+                                </p:cTn>
+                              </p:par>
+                            </p:childTnLst>
+                          </p:cTn>
+                        </p:par>
+                      </p:childTnLst>
+                    </p:cTn>
+                  </p:par>
+                </p:childTnLst>
+              </p:cTn>
+              <p:prevCondLst>
+                <p:cond evt="onPrev" delay="0">
+                  <p:tgtEl>
+                    <p:sldTgt/>
+                  </p:tgtEl>
+                </p:cond>
+              </p:prevCondLst>
+              <p:nextCondLst>
+                <p:cond evt="onNext" delay="0">
+                  <p:tgtEl>
+                    <p:sldTgt/>
+                  </p:tgtEl>
+                </p:cond>
+              </p:nextCondLst>
+            </p:seq>
+          </p:childTnLst>
+        </p:cTn>
+      </p:par>
+    </p:tnLst>
+  </p:timing>
 </p:sld>
 </file>
 
@@ -4582,7 +6029,7 @@
           <a:p>
             <a:r>
               <a:rPr lang="zh-CN" altLang="en-US" dirty="0" smtClean="0"/>
-              <a:t>指南测试法的评价</a:t>
+              <a:t>指南测试法的变种</a:t>
             </a:r>
             <a:endParaRPr lang="zh-CN" altLang="en-US" dirty="0"/>
           </a:p>
@@ -4598,28 +6045,57 @@
             <p:ph idx="1"/>
           </p:nvPr>
         </p:nvSpPr>
-        <p:spPr/>
-        <p:txBody>
-          <a:bodyPr/>
-          <a:lstStyle/>
-          <a:p>
+        <p:spPr>
+          <a:xfrm>
+            <a:off x="762000" y="1076324"/>
+            <a:ext cx="10883900" cy="4930775"/>
+          </a:xfrm>
+        </p:spPr>
+        <p:txBody>
+          <a:bodyPr/>
+          <a:lstStyle/>
+          <a:p>
+            <a:r>
+              <a:rPr lang="zh-CN" altLang="en-US" dirty="0" smtClean="0">
+                <a:solidFill>
+                  <a:srgbClr val="FF0000"/>
+                </a:solidFill>
+              </a:rPr>
+              <a:t>博客</a:t>
+            </a:r>
             <a:r>
               <a:rPr lang="zh-CN" altLang="en-US" dirty="0" smtClean="0"/>
-              <a:t>用于测试软件是否提供了与广告宣传的特性</a:t>
+              <a:t>测试法：要求测试人员遵循第三方的建议来测试</a:t>
             </a:r>
             <a:endParaRPr lang="en-US" altLang="zh-CN" dirty="0" smtClean="0"/>
           </a:p>
           <a:p>
             <a:r>
+              <a:rPr lang="zh-CN" altLang="en-US" dirty="0" smtClean="0">
+                <a:solidFill>
+                  <a:srgbClr val="FF0000"/>
+                </a:solidFill>
+              </a:rPr>
+              <a:t>专家</a:t>
+            </a:r>
+            <a:r>
               <a:rPr lang="zh-CN" altLang="en-US" dirty="0" smtClean="0"/>
-              <a:t>要求测试人员按照用户使用方式把软件特性串起来测试</a:t>
+              <a:t>测试法：要求测试人员按照反面评论者的抱怨来创建测试用例</a:t>
             </a:r>
             <a:endParaRPr lang="en-US" altLang="zh-CN" dirty="0" smtClean="0"/>
           </a:p>
           <a:p>
             <a:r>
+              <a:rPr lang="zh-CN" altLang="en-US" dirty="0" smtClean="0">
+                <a:solidFill>
+                  <a:srgbClr val="FF0000"/>
+                </a:solidFill>
+              </a:rPr>
+              <a:t>竞争</a:t>
+            </a:r>
+            <a:r>
               <a:rPr lang="zh-CN" altLang="en-US" dirty="0" smtClean="0"/>
-              <a:t>按用户真实使用方式相互交互</a:t>
+              <a:t>对手测试法：要求测试人员遵循专家或博客为竞争对手们提供的建议来测试</a:t>
             </a:r>
             <a:endParaRPr lang="zh-CN" altLang="en-US" dirty="0"/>
           </a:p>
@@ -4628,13 +6104,20 @@
     </p:spTree>
     <p:extLst>
       <p:ext uri="{BB962C8B-B14F-4D97-AF65-F5344CB8AC3E}">
-        <p14:creationId xmlns:p14="http://schemas.microsoft.com/office/powerpoint/2010/main" val="3501321782"/>
+        <p14:creationId xmlns:p14="http://schemas.microsoft.com/office/powerpoint/2010/main" val="3746354270"/>
       </p:ext>
     </p:extLst>
   </p:cSld>
   <p:clrMapOvr>
     <a:masterClrMapping/>
   </p:clrMapOvr>
+  <p:timing>
+    <p:tnLst>
+      <p:par>
+        <p:cTn id="1" dur="indefinite" restart="never" nodeType="tmRoot"/>
+      </p:par>
+    </p:tnLst>
+  </p:timing>
 </p:sld>
 </file>
 
@@ -4672,6 +6155,103 @@
           <a:p>
             <a:r>
               <a:rPr lang="zh-CN" altLang="en-US" dirty="0" smtClean="0"/>
+              <a:t>指南测试法的评价</a:t>
+            </a:r>
+            <a:endParaRPr lang="zh-CN" altLang="en-US" dirty="0"/>
+          </a:p>
+        </p:txBody>
+      </p:sp>
+      <p:sp>
+        <p:nvSpPr>
+          <p:cNvPr id="3" name="内容占位符 2"/>
+          <p:cNvSpPr>
+            <a:spLocks noGrp="1"/>
+          </p:cNvSpPr>
+          <p:nvPr>
+            <p:ph idx="1"/>
+          </p:nvPr>
+        </p:nvSpPr>
+        <p:spPr/>
+        <p:txBody>
+          <a:bodyPr/>
+          <a:lstStyle/>
+          <a:p>
+            <a:r>
+              <a:rPr lang="zh-CN" altLang="en-US" dirty="0" smtClean="0"/>
+              <a:t>用于测试软件是否提供了与广告宣传的特性</a:t>
+            </a:r>
+            <a:endParaRPr lang="en-US" altLang="zh-CN" dirty="0" smtClean="0"/>
+          </a:p>
+          <a:p>
+            <a:r>
+              <a:rPr lang="zh-CN" altLang="en-US" dirty="0" smtClean="0"/>
+              <a:t>要求测试人员按照用户使用方式把软件特性串起来测试</a:t>
+            </a:r>
+            <a:endParaRPr lang="en-US" altLang="zh-CN" dirty="0" smtClean="0"/>
+          </a:p>
+          <a:p>
+            <a:r>
+              <a:rPr lang="zh-CN" altLang="en-US" dirty="0" smtClean="0"/>
+              <a:t>按用户真实使用方式相互交互</a:t>
+            </a:r>
+            <a:endParaRPr lang="zh-CN" altLang="en-US" dirty="0"/>
+          </a:p>
+        </p:txBody>
+      </p:sp>
+    </p:spTree>
+    <p:extLst>
+      <p:ext uri="{BB962C8B-B14F-4D97-AF65-F5344CB8AC3E}">
+        <p14:creationId xmlns:p14="http://schemas.microsoft.com/office/powerpoint/2010/main" val="3501321782"/>
+      </p:ext>
+    </p:extLst>
+  </p:cSld>
+  <p:clrMapOvr>
+    <a:masterClrMapping/>
+  </p:clrMapOvr>
+  <p:timing>
+    <p:tnLst>
+      <p:par>
+        <p:cTn id="1" dur="indefinite" restart="never" nodeType="tmRoot"/>
+      </p:par>
+    </p:tnLst>
+  </p:timing>
+</p:sld>
+</file>
+
+<file path=ppt/slides/slide8.xml><?xml version="1.0" encoding="utf-8"?>
+<p:sld xmlns:a="http://schemas.openxmlformats.org/drawingml/2006/main" xmlns:r="http://schemas.openxmlformats.org/officeDocument/2006/relationships" xmlns:p="http://schemas.openxmlformats.org/presentationml/2006/main">
+  <p:cSld>
+    <p:spTree>
+      <p:nvGrpSpPr>
+        <p:cNvPr id="1" name=""/>
+        <p:cNvGrpSpPr/>
+        <p:nvPr/>
+      </p:nvGrpSpPr>
+      <p:grpSpPr>
+        <a:xfrm>
+          <a:off x="0" y="0"/>
+          <a:ext cx="0" cy="0"/>
+          <a:chOff x="0" y="0"/>
+          <a:chExt cx="0" cy="0"/>
+        </a:xfrm>
+      </p:grpSpPr>
+      <p:sp>
+        <p:nvSpPr>
+          <p:cNvPr id="2" name="标题 1"/>
+          <p:cNvSpPr>
+            <a:spLocks noGrp="1"/>
+          </p:cNvSpPr>
+          <p:nvPr>
+            <p:ph type="title"/>
+          </p:nvPr>
+        </p:nvSpPr>
+        <p:spPr/>
+        <p:txBody>
+          <a:bodyPr/>
+          <a:lstStyle/>
+          <a:p>
+            <a:r>
+              <a:rPr lang="zh-CN" altLang="en-US" dirty="0" smtClean="0"/>
               <a:t>练习</a:t>
             </a:r>
             <a:endParaRPr lang="zh-CN" altLang="en-US" dirty="0"/>
@@ -4710,15 +6290,34 @@
             </a:r>
             <a:r>
               <a:rPr lang="zh-CN" altLang="en-US" dirty="0" smtClean="0"/>
-              <a:t>操作系统使用指南测试法进行测试</a:t>
+              <a:t>操作系统使用指南测试法进行</a:t>
+            </a:r>
+            <a:r>
+              <a:rPr lang="zh-CN" altLang="en-US" dirty="0" smtClean="0"/>
+              <a:t>测试</a:t>
             </a:r>
             <a:endParaRPr lang="en-US" altLang="zh-CN" dirty="0" smtClean="0"/>
           </a:p>
           <a:p>
+            <a:r>
+              <a:rPr lang="en-US" altLang="zh-CN" dirty="0" smtClean="0"/>
+              <a:t>QQ</a:t>
+            </a:r>
+            <a:r>
+              <a:rPr lang="zh-CN" altLang="en-US" dirty="0" smtClean="0"/>
+              <a:t>邮箱帮助中心使用指南测试法进行测试</a:t>
+            </a:r>
+            <a:endParaRPr lang="en-US" altLang="zh-CN" dirty="0" smtClean="0"/>
+          </a:p>
+          <a:p>
             <a:pPr lvl="1"/>
             <a:r>
               <a:rPr lang="zh-CN" altLang="en-US" dirty="0" smtClean="0"/>
-              <a:t>列出探索章程</a:t>
+              <a:t>列出</a:t>
+            </a:r>
+            <a:r>
+              <a:rPr lang="zh-CN" altLang="en-US" dirty="0" smtClean="0"/>
+              <a:t>探索章程</a:t>
             </a:r>
             <a:endParaRPr lang="en-US" altLang="zh-CN" dirty="0" smtClean="0"/>
           </a:p>
@@ -4742,10 +6341,17 @@
   <p:clrMapOvr>
     <a:masterClrMapping/>
   </p:clrMapOvr>
+  <p:timing>
+    <p:tnLst>
+      <p:par>
+        <p:cTn id="1" dur="indefinite" restart="never" nodeType="tmRoot"/>
+      </p:par>
+    </p:tnLst>
+  </p:timing>
 </p:sld>
 </file>
 
-<file path=ppt/slides/slide8.xml><?xml version="1.0" encoding="utf-8"?>
+<file path=ppt/slides/slide9.xml><?xml version="1.0" encoding="utf-8"?>
 <p:sld xmlns:a="http://schemas.openxmlformats.org/drawingml/2006/main" xmlns:r="http://schemas.openxmlformats.org/officeDocument/2006/relationships" xmlns:p="http://schemas.openxmlformats.org/presentationml/2006/main">
   <p:cSld>
     <p:spTree>
